--- a/PPTs/03 OAuth.pptx
+++ b/PPTs/03 OAuth.pptx
@@ -229,7 +229,7 @@
             <a:fld id="{4991502B-FFA8-47B9-B4E5-980CA415BAFF}" type="datetimeFigureOut">
               <a:rPr lang="en-US" smtClean="0"/>
               <a:pPr/>
-              <a:t>7/7/2017</a:t>
+              <a:t>7/9/2017</a:t>
             </a:fld>
             <a:endParaRPr lang="en-US"/>
           </a:p>
@@ -910,7 +910,7 @@
           <a:p>
             <a:r>
               <a:rPr lang="en-US"/>
-              <a:t>© 2016 Ori Calvo</a:t>
+              <a:t>© 2017 Ori Calvo</a:t>
             </a:r>
           </a:p>
         </p:txBody>
@@ -1088,7 +1088,7 @@
           <a:p>
             <a:r>
               <a:rPr lang="en-US"/>
-              <a:t>© 2016 Ori Calvo</a:t>
+              <a:t>© 2017 Ori Calvo</a:t>
             </a:r>
           </a:p>
         </p:txBody>
@@ -1278,7 +1278,7 @@
           <a:p>
             <a:r>
               <a:rPr lang="en-US"/>
-              <a:t>© 2016 Ori Calvo</a:t>
+              <a:t>© 2017 Ori Calvo</a:t>
             </a:r>
           </a:p>
         </p:txBody>
@@ -1526,7 +1526,7 @@
           <a:p>
             <a:r>
               <a:rPr lang="en-US"/>
-              <a:t>© 2016 Ori Calvo</a:t>
+              <a:t>© 2017 Ori Calvo</a:t>
             </a:r>
             <a:endParaRPr lang="en-US" dirty="0"/>
           </a:p>
@@ -1747,6 +1747,45 @@
           </a:p>
         </p:txBody>
       </p:sp>
+      <p:pic>
+        <p:nvPicPr>
+          <p:cNvPr id="9" name="Graphic 8">
+            <a:extLst>
+              <a:ext uri="{FF2B5EF4-FFF2-40B4-BE49-F238E27FC236}">
+                <a16:creationId xmlns:a16="http://schemas.microsoft.com/office/drawing/2014/main" id="{1209C019-2490-4270-A0D8-60F9F5018081}"/>
+              </a:ext>
+            </a:extLst>
+          </p:cNvPr>
+          <p:cNvPicPr>
+            <a:picLocks noChangeAspect="1"/>
+          </p:cNvPicPr>
+          <p:nvPr userDrawn="1"/>
+        </p:nvPicPr>
+        <p:blipFill>
+          <a:blip r:embed="rId2" cstate="print">
+            <a:extLst>
+              <a:ext uri="{28A0092B-C50C-407E-A947-70E740481C1C}">
+                <a14:useLocalDpi xmlns:a14="http://schemas.microsoft.com/office/drawing/2010/main" val="0"/>
+              </a:ext>
+              <a:ext uri="{96DAC541-7B7A-43D3-8B79-37D633B846F1}">
+                <asvg:svgBlip xmlns:asvg="http://schemas.microsoft.com/office/drawing/2016/SVG/main" r:embed="rId3"/>
+              </a:ext>
+            </a:extLst>
+          </a:blip>
+          <a:stretch>
+            <a:fillRect/>
+          </a:stretch>
+        </p:blipFill>
+        <p:spPr>
+          <a:xfrm>
+            <a:off x="107504" y="6445477"/>
+            <a:ext cx="2145059" cy="316851"/>
+          </a:xfrm>
+          <a:prstGeom prst="rect">
+            <a:avLst/>
+          </a:prstGeom>
+        </p:spPr>
+      </p:pic>
     </p:spTree>
   </p:cSld>
   <p:clrMapOvr>
@@ -2108,7 +2147,7 @@
           <a:p>
             <a:r>
               <a:rPr lang="en-US"/>
-              <a:t>© 2016 Ori Calvo</a:t>
+              <a:t>© 2017 Ori Calvo</a:t>
             </a:r>
           </a:p>
         </p:txBody>
@@ -2335,7 +2374,7 @@
           <a:p>
             <a:r>
               <a:rPr lang="en-US"/>
-              <a:t>© 2016 Ori Calvo</a:t>
+              <a:t>© 2017 Ori Calvo</a:t>
             </a:r>
           </a:p>
         </p:txBody>
@@ -2571,7 +2610,7 @@
           <a:p>
             <a:r>
               <a:rPr lang="en-US"/>
-              <a:t>© 2016 Ori Calvo</a:t>
+              <a:t>© 2017 Ori Calvo</a:t>
             </a:r>
           </a:p>
         </p:txBody>
@@ -2742,7 +2781,7 @@
           <a:p>
             <a:r>
               <a:rPr lang="en-US"/>
-              <a:t>© 2016 Ori Calvo</a:t>
+              <a:t>© 2017 Ori Calvo</a:t>
             </a:r>
           </a:p>
         </p:txBody>
@@ -2840,7 +2879,7 @@
           <a:p>
             <a:r>
               <a:rPr lang="en-US"/>
-              <a:t>© 2016 Ori Calvo</a:t>
+              <a:t>© 2017 Ori Calvo</a:t>
             </a:r>
           </a:p>
         </p:txBody>
@@ -2976,7 +3015,7 @@
           <a:p>
             <a:r>
               <a:rPr lang="en-US"/>
-              <a:t>© 2016 Ori Calvo</a:t>
+              <a:t>© 2017 Ori Calvo</a:t>
             </a:r>
           </a:p>
         </p:txBody>
@@ -3532,7 +3571,7 @@
           <a:p>
             <a:r>
               <a:rPr lang="en-US"/>
-              <a:t>© 2016 Ori Calvo</a:t>
+              <a:t>© 2017 Ori Calvo</a:t>
             </a:r>
           </a:p>
         </p:txBody>
@@ -3771,7 +3810,7 @@
           <a:p>
             <a:r>
               <a:rPr lang="en-US"/>
-              <a:t>© 2016 Ori Calvo</a:t>
+              <a:t>© 2017 Ori Calvo</a:t>
             </a:r>
             <a:endParaRPr lang="en-US" dirty="0"/>
           </a:p>
@@ -4391,10 +4430,9 @@
           <a:lstStyle/>
           <a:p>
             <a:r>
-              <a:rPr lang="en-US" dirty="0" smtClean="0"/>
+              <a:rPr lang="en-US" dirty="0"/>
               <a:t>Authorization Code Grant</a:t>
             </a:r>
-            <a:endParaRPr lang="en-US" dirty="0"/>
           </a:p>
         </p:txBody>
       </p:sp>
@@ -4414,8 +4452,8 @@
           <a:lstStyle/>
           <a:p>
             <a:r>
-              <a:rPr lang="en-US" smtClean="0"/>
-              <a:t>© 2016 Ori Calvo</a:t>
+              <a:rPr lang="en-US"/>
+              <a:t>© 2017 Ori Calvo</a:t>
             </a:r>
             <a:endParaRPr lang="en-US" dirty="0"/>
           </a:p>
@@ -4463,28 +4501,27 @@
           <a:lstStyle/>
           <a:p>
             <a:r>
-              <a:rPr lang="en-US" dirty="0" smtClean="0"/>
+              <a:rPr lang="en-US" dirty="0"/>
               <a:t>The access token is not sent back to the browser</a:t>
             </a:r>
           </a:p>
           <a:p>
             <a:r>
-              <a:rPr lang="en-US" dirty="0" smtClean="0"/>
+              <a:rPr lang="en-US" dirty="0"/>
               <a:t>Usually is saved into server side session state</a:t>
             </a:r>
           </a:p>
           <a:p>
             <a:r>
-              <a:rPr lang="en-US" dirty="0" smtClean="0"/>
+              <a:rPr lang="en-US" dirty="0"/>
               <a:t>Therefore is considered the most secured approach</a:t>
             </a:r>
           </a:p>
           <a:p>
             <a:r>
-              <a:rPr lang="en-US" dirty="0" smtClean="0"/>
+              <a:rPr lang="en-US" dirty="0"/>
               <a:t>The authorization server may return a refresh token</a:t>
             </a:r>
-            <a:endParaRPr lang="en-US" dirty="0"/>
           </a:p>
         </p:txBody>
       </p:sp>
@@ -4534,10 +4571,9 @@
           <a:lstStyle/>
           <a:p>
             <a:r>
-              <a:rPr lang="en-US" dirty="0" smtClean="0"/>
+              <a:rPr lang="en-US" dirty="0"/>
               <a:t>DEMO</a:t>
             </a:r>
-            <a:endParaRPr lang="en-US" dirty="0"/>
           </a:p>
         </p:txBody>
       </p:sp>
@@ -4557,8 +4593,8 @@
           <a:lstStyle/>
           <a:p>
             <a:r>
-              <a:rPr lang="en-US" smtClean="0"/>
-              <a:t>© 2016 Ori Calvo</a:t>
+              <a:rPr lang="en-US"/>
+              <a:t>© 2017 Ori Calvo</a:t>
             </a:r>
             <a:endParaRPr lang="en-US" dirty="0"/>
           </a:p>
@@ -4606,16 +4642,15 @@
           <a:lstStyle/>
           <a:p>
             <a:r>
-              <a:rPr lang="en-US" dirty="0" smtClean="0"/>
+              <a:rPr lang="en-US" dirty="0"/>
               <a:t>Build an authorization server using OWIN middleware</a:t>
             </a:r>
           </a:p>
           <a:p>
             <a:r>
-              <a:rPr lang="en-US" dirty="0" smtClean="0"/>
+              <a:rPr lang="en-US" dirty="0"/>
               <a:t>Build a simple web site which authenticate against the authorization server</a:t>
             </a:r>
-            <a:endParaRPr lang="en-US" dirty="0"/>
           </a:p>
         </p:txBody>
       </p:sp>
@@ -4665,10 +4700,9 @@
           <a:lstStyle/>
           <a:p>
             <a:r>
-              <a:rPr lang="en-US" dirty="0" smtClean="0"/>
+              <a:rPr lang="en-US" dirty="0"/>
               <a:t>Implicit Grant</a:t>
             </a:r>
-            <a:endParaRPr lang="en-US" dirty="0"/>
           </a:p>
         </p:txBody>
       </p:sp>
@@ -4688,8 +4722,8 @@
           <a:lstStyle/>
           <a:p>
             <a:r>
-              <a:rPr lang="en-US" smtClean="0"/>
-              <a:t>© 2016 Ori Calvo</a:t>
+              <a:rPr lang="en-US"/>
+              <a:t>© 2017 Ori Calvo</a:t>
             </a:r>
             <a:endParaRPr lang="en-US" dirty="0"/>
           </a:p>
@@ -4737,35 +4771,34 @@
           <a:lstStyle/>
           <a:p>
             <a:r>
-              <a:rPr lang="en-US" dirty="0" smtClean="0"/>
+              <a:rPr lang="en-US" dirty="0"/>
               <a:t>SPA (Angular) wants to obtain information about the user</a:t>
             </a:r>
           </a:p>
           <a:p>
             <a:r>
-              <a:rPr lang="en-US" dirty="0" smtClean="0"/>
+              <a:rPr lang="en-US" dirty="0"/>
               <a:t>Browser is redirected to the Authentication server</a:t>
             </a:r>
           </a:p>
           <a:p>
             <a:r>
-              <a:rPr lang="en-US" dirty="0" smtClean="0"/>
+              <a:rPr lang="en-US" dirty="0"/>
               <a:t>User logins and consents</a:t>
             </a:r>
           </a:p>
           <a:p>
             <a:r>
-              <a:rPr lang="en-US" dirty="0" smtClean="0"/>
+              <a:rPr lang="en-US" dirty="0"/>
               <a:t>Authorization server redirect to the SPA with the access token in the URI fragment</a:t>
             </a:r>
           </a:p>
           <a:p>
             <a:pPr lvl="1"/>
             <a:r>
-              <a:rPr lang="en-US" dirty="0" smtClean="0"/>
+              <a:rPr lang="en-US" dirty="0"/>
               <a:t>http://myspa.com/oauthcallback#access_token=123</a:t>
             </a:r>
-            <a:endParaRPr lang="en-US" dirty="0"/>
           </a:p>
         </p:txBody>
       </p:sp>
@@ -4815,10 +4848,9 @@
           <a:lstStyle/>
           <a:p>
             <a:r>
-              <a:rPr lang="en-US" dirty="0" smtClean="0"/>
+              <a:rPr lang="en-US" dirty="0"/>
               <a:t>DEMO</a:t>
             </a:r>
-            <a:endParaRPr lang="en-US" dirty="0"/>
           </a:p>
         </p:txBody>
       </p:sp>
@@ -4838,8 +4870,8 @@
           <a:lstStyle/>
           <a:p>
             <a:r>
-              <a:rPr lang="en-US" smtClean="0"/>
-              <a:t>© 2016 Ori Calvo</a:t>
+              <a:rPr lang="en-US"/>
+              <a:t>© 2017 Ori Calvo</a:t>
             </a:r>
             <a:endParaRPr lang="en-US" dirty="0"/>
           </a:p>
@@ -4887,10 +4919,9 @@
           <a:lstStyle/>
           <a:p>
             <a:r>
-              <a:rPr lang="en-US" dirty="0" smtClean="0"/>
+              <a:rPr lang="en-US" dirty="0"/>
               <a:t>Build SPA (Angular 4) which authenticate against the authentication server</a:t>
             </a:r>
-            <a:endParaRPr lang="en-US" dirty="0"/>
           </a:p>
         </p:txBody>
       </p:sp>
@@ -4940,10 +4971,9 @@
           <a:lstStyle/>
           <a:p>
             <a:r>
-              <a:rPr lang="en-US" dirty="0" smtClean="0"/>
+              <a:rPr lang="en-US" dirty="0"/>
               <a:t>Resource Owner Credential Grant </a:t>
             </a:r>
-            <a:endParaRPr lang="en-US" dirty="0"/>
           </a:p>
         </p:txBody>
       </p:sp>
@@ -4963,8 +4993,8 @@
           <a:lstStyle/>
           <a:p>
             <a:r>
-              <a:rPr lang="en-US" smtClean="0"/>
-              <a:t>© 2016 Ori Calvo</a:t>
+              <a:rPr lang="en-US"/>
+              <a:t>© 2017 Ori Calvo</a:t>
             </a:r>
             <a:endParaRPr lang="en-US" dirty="0"/>
           </a:p>
@@ -5012,31 +5042,31 @@
           <a:lstStyle/>
           <a:p>
             <a:r>
-              <a:rPr lang="en-US" dirty="0" smtClean="0"/>
+              <a:rPr lang="en-US" dirty="0"/>
               <a:t>The client and authorization server are part of the same authority</a:t>
             </a:r>
           </a:p>
           <a:p>
             <a:r>
-              <a:rPr lang="en-US" dirty="0" smtClean="0"/>
+              <a:rPr lang="en-US" dirty="0"/>
               <a:t>The client asks for credentials </a:t>
             </a:r>
           </a:p>
           <a:p>
             <a:r>
-              <a:rPr lang="en-US" dirty="0" smtClean="0"/>
+              <a:rPr lang="en-US" dirty="0"/>
               <a:t>Credentials are send to the authorization server</a:t>
             </a:r>
           </a:p>
           <a:p>
             <a:r>
-              <a:rPr lang="en-US" dirty="0" smtClean="0"/>
+              <a:rPr lang="en-US" dirty="0"/>
               <a:t>Access token is sent back</a:t>
             </a:r>
           </a:p>
           <a:p>
             <a:r>
-              <a:rPr lang="en-US" dirty="0" smtClean="0"/>
+              <a:rPr lang="en-US" dirty="0"/>
               <a:t>Client uses the token</a:t>
             </a:r>
           </a:p>
@@ -5088,10 +5118,9 @@
           <a:lstStyle/>
           <a:p>
             <a:r>
-              <a:rPr lang="en-US" dirty="0" smtClean="0"/>
+              <a:rPr lang="en-US" dirty="0"/>
               <a:t>Client Credential Grant</a:t>
             </a:r>
-            <a:endParaRPr lang="en-US" dirty="0"/>
           </a:p>
         </p:txBody>
       </p:sp>
@@ -5111,8 +5140,8 @@
           <a:lstStyle/>
           <a:p>
             <a:r>
-              <a:rPr lang="en-US" smtClean="0"/>
-              <a:t>© 2016 Ori Calvo</a:t>
+              <a:rPr lang="en-US"/>
+              <a:t>© 2017 Ori Calvo</a:t>
             </a:r>
             <a:endParaRPr lang="en-US" dirty="0"/>
           </a:p>
@@ -5160,29 +5189,28 @@
           <a:lstStyle/>
           <a:p>
             <a:r>
-              <a:rPr lang="en-US" dirty="0" smtClean="0"/>
+              <a:rPr lang="en-US" dirty="0"/>
               <a:t>A website stores its data at Google Cloud Storage</a:t>
             </a:r>
           </a:p>
           <a:p>
             <a:r>
-              <a:rPr lang="en-US" dirty="0" smtClean="0"/>
+              <a:rPr lang="en-US" dirty="0"/>
               <a:t>The web site authenticate using client id &amp; client secret</a:t>
             </a:r>
           </a:p>
           <a:p>
             <a:pPr lvl="1"/>
             <a:r>
-              <a:rPr lang="en-US" dirty="0" smtClean="0"/>
+              <a:rPr lang="en-US" dirty="0"/>
               <a:t>No credentials as no end user is involved</a:t>
             </a:r>
           </a:p>
           <a:p>
             <a:r>
-              <a:rPr lang="en-US" dirty="0" smtClean="0"/>
+              <a:rPr lang="en-US" dirty="0"/>
               <a:t>Access token is sent back from the authorization server</a:t>
             </a:r>
-            <a:endParaRPr lang="en-US" dirty="0"/>
           </a:p>
         </p:txBody>
       </p:sp>
@@ -5232,10 +5260,9 @@
           <a:lstStyle/>
           <a:p>
             <a:r>
-              <a:rPr lang="en-US" dirty="0" smtClean="0"/>
+              <a:rPr lang="en-US" dirty="0"/>
               <a:t>Vulnerabilities</a:t>
             </a:r>
-            <a:endParaRPr lang="en-US" dirty="0"/>
           </a:p>
         </p:txBody>
       </p:sp>
@@ -5255,8 +5282,8 @@
           <a:lstStyle/>
           <a:p>
             <a:r>
-              <a:rPr lang="en-US" smtClean="0"/>
-              <a:t>© 2016 Ori Calvo</a:t>
+              <a:rPr lang="en-US"/>
+              <a:t>© 2017 Ori Calvo</a:t>
             </a:r>
             <a:endParaRPr lang="en-US" dirty="0"/>
           </a:p>
@@ -5304,19 +5331,19 @@
           <a:lstStyle/>
           <a:p>
             <a:r>
-              <a:rPr lang="en-US" dirty="0" smtClean="0"/>
+              <a:rPr lang="en-US" dirty="0"/>
               <a:t>CSRF</a:t>
             </a:r>
           </a:p>
           <a:p>
             <a:r>
-              <a:rPr lang="en-US" dirty="0" smtClean="0"/>
+              <a:rPr lang="en-US" dirty="0"/>
               <a:t>Validating token</a:t>
             </a:r>
           </a:p>
           <a:p>
             <a:r>
-              <a:rPr lang="en-US" dirty="0" smtClean="0"/>
+              <a:rPr lang="en-US" dirty="0"/>
               <a:t>Clickjacking</a:t>
             </a:r>
           </a:p>
@@ -5371,10 +5398,9 @@
           <a:lstStyle/>
           <a:p>
             <a:r>
-              <a:rPr lang="en-US" dirty="0" smtClean="0"/>
+              <a:rPr lang="en-US" dirty="0"/>
               <a:t>Summary</a:t>
             </a:r>
-            <a:endParaRPr lang="en-US" dirty="0"/>
           </a:p>
         </p:txBody>
       </p:sp>
@@ -5394,8 +5420,8 @@
           <a:lstStyle/>
           <a:p>
             <a:r>
-              <a:rPr lang="en-US" smtClean="0"/>
-              <a:t>© 2016 Ori Calvo</a:t>
+              <a:rPr lang="en-US"/>
+              <a:t>© 2017 Ori Calvo</a:t>
             </a:r>
             <a:endParaRPr lang="en-US" dirty="0"/>
           </a:p>
@@ -5443,47 +5469,47 @@
           <a:lstStyle/>
           <a:p>
             <a:r>
-              <a:rPr lang="en-US" dirty="0" smtClean="0"/>
+              <a:rPr lang="en-US" dirty="0"/>
               <a:t>OAuth is simple</a:t>
             </a:r>
           </a:p>
           <a:p>
             <a:r>
-              <a:rPr lang="en-US" dirty="0" smtClean="0"/>
+              <a:rPr lang="en-US" dirty="0"/>
               <a:t>Therefore very popular</a:t>
             </a:r>
           </a:p>
           <a:p>
             <a:r>
-              <a:rPr lang="en-US" dirty="0" smtClean="0"/>
+              <a:rPr lang="en-US" dirty="0"/>
               <a:t>Allows for separation of entities</a:t>
             </a:r>
           </a:p>
           <a:p>
             <a:pPr lvl="1"/>
             <a:r>
-              <a:rPr lang="en-US" dirty="0" smtClean="0"/>
+              <a:rPr lang="en-US" dirty="0"/>
               <a:t>Authorization server</a:t>
             </a:r>
           </a:p>
           <a:p>
             <a:pPr lvl="1"/>
             <a:r>
-              <a:rPr lang="en-US" dirty="0" smtClean="0"/>
+              <a:rPr lang="en-US" dirty="0"/>
               <a:t>Resource server</a:t>
             </a:r>
           </a:p>
           <a:p>
             <a:pPr lvl="1"/>
             <a:r>
-              <a:rPr lang="en-US" dirty="0" smtClean="0"/>
+              <a:rPr lang="en-US" dirty="0"/>
               <a:t>Client</a:t>
             </a:r>
           </a:p>
           <a:p>
             <a:pPr lvl="1"/>
             <a:r>
-              <a:rPr lang="en-US" dirty="0" smtClean="0"/>
+              <a:rPr lang="en-US" dirty="0"/>
               <a:t>Resource owner</a:t>
             </a:r>
           </a:p>
@@ -5558,7 +5584,7 @@
           <a:p>
             <a:r>
               <a:rPr lang="en-US"/>
-              <a:t>© 2016 Ori Calvo</a:t>
+              <a:t>© 2017 Ori Calvo</a:t>
             </a:r>
             <a:endParaRPr lang="en-US" dirty="0"/>
           </a:p>
@@ -5627,19 +5653,14 @@
           <a:p>
             <a:r>
               <a:rPr lang="en-US" dirty="0"/>
-              <a:t>Access is requested by client </a:t>
-            </a:r>
-            <a:r>
-              <a:rPr lang="en-US" dirty="0" smtClean="0"/>
-              <a:t>(the application)</a:t>
-            </a:r>
-          </a:p>
-          <a:p>
-            <a:r>
-              <a:rPr lang="en-US" dirty="0" smtClean="0"/>
+              <a:t>Access is requested by client (the application)</a:t>
+            </a:r>
+          </a:p>
+          <a:p>
+            <a:r>
+              <a:rPr lang="en-US" dirty="0"/>
               <a:t>The client does not get access to the credentials of the user</a:t>
             </a:r>
-            <a:endParaRPr lang="en-US" dirty="0"/>
           </a:p>
         </p:txBody>
       </p:sp>
@@ -5712,7 +5733,7 @@
           <a:p>
             <a:r>
               <a:rPr lang="en-US"/>
-              <a:t>© 2016 Ori Calvo</a:t>
+              <a:t>© 2017 Ori Calvo</a:t>
             </a:r>
             <a:endParaRPr lang="en-US" dirty="0"/>
           </a:p>
@@ -5769,13 +5790,8 @@
             </a:r>
             <a:r>
               <a:rPr lang="en-US" dirty="0"/>
-              <a:t>– </a:t>
-            </a:r>
-            <a:r>
-              <a:rPr lang="en-US" dirty="0" smtClean="0"/>
-              <a:t>End user</a:t>
-            </a:r>
-            <a:endParaRPr lang="en-US" dirty="0"/>
+              <a:t>– End user</a:t>
+            </a:r>
           </a:p>
           <a:p>
             <a:r>
@@ -5788,13 +5804,8 @@
             </a:r>
             <a:r>
               <a:rPr lang="en-US" dirty="0"/>
-              <a:t>– Server hosting protected </a:t>
-            </a:r>
-            <a:r>
-              <a:rPr lang="en-US" dirty="0" smtClean="0"/>
-              <a:t>data</a:t>
-            </a:r>
-            <a:endParaRPr lang="en-US" dirty="0"/>
+              <a:t>– Server hosting protected data</a:t>
+            </a:r>
           </a:p>
           <a:p>
             <a:r>
@@ -5807,13 +5818,8 @@
             </a:r>
             <a:r>
               <a:rPr lang="en-US" dirty="0"/>
-              <a:t> – Application requesting access to resource </a:t>
-            </a:r>
-            <a:r>
-              <a:rPr lang="en-US" dirty="0" smtClean="0"/>
-              <a:t>server</a:t>
-            </a:r>
-            <a:endParaRPr lang="en-US" dirty="0"/>
+              <a:t> – Application requesting access to resource server</a:t>
+            </a:r>
           </a:p>
           <a:p>
             <a:r>
@@ -5826,20 +5832,15 @@
             </a:r>
             <a:r>
               <a:rPr lang="en-US" dirty="0"/>
-              <a:t>– Server issuing access token to the </a:t>
-            </a:r>
-            <a:r>
-              <a:rPr lang="en-US" dirty="0" smtClean="0"/>
-              <a:t>client</a:t>
+              <a:t>– Server issuing access token to the client</a:t>
             </a:r>
           </a:p>
           <a:p>
             <a:pPr lvl="1"/>
             <a:r>
-              <a:rPr lang="en-US" dirty="0" smtClean="0"/>
+              <a:rPr lang="en-US" dirty="0"/>
               <a:t>The only entity that has access to the end user credentials</a:t>
             </a:r>
-            <a:endParaRPr lang="en-US" dirty="0"/>
           </a:p>
         </p:txBody>
       </p:sp>
@@ -5912,7 +5913,7 @@
           <a:p>
             <a:r>
               <a:rPr lang="en-US"/>
-              <a:t>© 2016 Ori Calvo</a:t>
+              <a:t>© 2017 Ori Calvo</a:t>
             </a:r>
             <a:endParaRPr lang="en-US" dirty="0"/>
           </a:p>
@@ -5961,32 +5962,19 @@
           <a:p>
             <a:r>
               <a:rPr lang="en-US" dirty="0"/>
-              <a:t>Random string generated by authorization </a:t>
-            </a:r>
-            <a:r>
-              <a:rPr lang="en-US" dirty="0" smtClean="0"/>
-              <a:t>server</a:t>
-            </a:r>
-          </a:p>
-          <a:p>
-            <a:r>
-              <a:rPr lang="en-US" dirty="0" smtClean="0"/>
+              <a:t>Random string generated by authorization server</a:t>
+            </a:r>
+          </a:p>
+          <a:p>
+            <a:r>
+              <a:rPr lang="en-US" dirty="0"/>
               <a:t>Represent an authenticated end user</a:t>
             </a:r>
-            <a:endParaRPr lang="en-US" dirty="0"/>
-          </a:p>
-          <a:p>
-            <a:r>
-              <a:rPr lang="en-US" dirty="0"/>
-              <a:t>Is sent by the client </a:t>
-            </a:r>
-            <a:r>
-              <a:rPr lang="en-US" dirty="0" smtClean="0"/>
-              <a:t>to </a:t>
-            </a:r>
-            <a:r>
-              <a:rPr lang="en-US" dirty="0"/>
-              <a:t>the resource server</a:t>
+          </a:p>
+          <a:p>
+            <a:r>
+              <a:rPr lang="en-US" dirty="0"/>
+              <a:t>Is sent by the client to the resource server</a:t>
             </a:r>
           </a:p>
           <a:p>
@@ -6072,7 +6060,7 @@
           <a:p>
             <a:r>
               <a:rPr lang="en-US"/>
-              <a:t>© 2016 Ori Calvo</a:t>
+              <a:t>© 2017 Ori Calvo</a:t>
             </a:r>
             <a:endParaRPr lang="en-US" dirty="0"/>
           </a:p>
@@ -6120,24 +6108,15 @@
           <a:lstStyle/>
           <a:p>
             <a:r>
-              <a:rPr lang="en-US" dirty="0" smtClean="0"/>
+              <a:rPr lang="en-US" dirty="0"/>
               <a:t>Optional feature</a:t>
             </a:r>
           </a:p>
           <a:p>
             <a:r>
-              <a:rPr lang="en-US" dirty="0" smtClean="0"/>
-              <a:t>Is </a:t>
-            </a:r>
-            <a:r>
-              <a:rPr lang="en-US" dirty="0"/>
-              <a:t>issued with the access </a:t>
-            </a:r>
-            <a:r>
-              <a:rPr lang="en-US" dirty="0" smtClean="0"/>
-              <a:t>token</a:t>
-            </a:r>
-            <a:endParaRPr lang="en-US" dirty="0"/>
+              <a:rPr lang="en-US" dirty="0"/>
+              <a:t>Is issued with the access token</a:t>
+            </a:r>
           </a:p>
           <a:p>
             <a:r>
@@ -6148,23 +6127,14 @@
           <a:p>
             <a:r>
               <a:rPr lang="en-US" dirty="0"/>
-              <a:t>It is sent to the authorization server for renewing the access </a:t>
-            </a:r>
-            <a:r>
-              <a:rPr lang="en-US" dirty="0" smtClean="0"/>
-              <a:t>token</a:t>
-            </a:r>
-          </a:p>
-          <a:p>
-            <a:r>
-              <a:rPr lang="en-US" dirty="0" smtClean="0"/>
-              <a:t>Is used to implement a revocation mechanis</a:t>
-            </a:r>
-            <a:r>
-              <a:rPr lang="en-US" dirty="0"/>
-              <a:t>m</a:t>
-            </a:r>
-            <a:endParaRPr lang="en-US" dirty="0"/>
+              <a:t>It is sent to the authorization server for renewing the access token</a:t>
+            </a:r>
+          </a:p>
+          <a:p>
+            <a:r>
+              <a:rPr lang="en-US" dirty="0"/>
+              <a:t>Is used to implement a revocation mechanism</a:t>
+            </a:r>
           </a:p>
         </p:txBody>
       </p:sp>
@@ -6237,7 +6207,7 @@
           <a:p>
             <a:r>
               <a:rPr lang="en-US"/>
-              <a:t>© 2016 Ori Calvo</a:t>
+              <a:t>© 2017 Ori Calvo</a:t>
             </a:r>
             <a:endParaRPr lang="en-US" dirty="0"/>
           </a:p>
@@ -6286,20 +6256,15 @@
           <a:p>
             <a:r>
               <a:rPr lang="en-US" dirty="0"/>
-              <a:t>A parameter used to limit the rights of the access </a:t>
-            </a:r>
-            <a:r>
-              <a:rPr lang="en-US" dirty="0" smtClean="0"/>
-              <a:t>token</a:t>
+              <a:t>A parameter used to limit the rights of the access token</a:t>
             </a:r>
           </a:p>
           <a:p>
             <a:pPr lvl="1"/>
             <a:r>
-              <a:rPr lang="en-US" dirty="0" smtClean="0"/>
+              <a:rPr lang="en-US" dirty="0"/>
               <a:t>For example, “ALLOW DELETE”, “ALLOW RENAME”</a:t>
             </a:r>
-            <a:endParaRPr lang="en-US" dirty="0"/>
           </a:p>
           <a:p>
             <a:r>
@@ -6363,7 +6328,7 @@
           <p:cNvPr id="2" name="Title 1">
             <a:extLst>
               <a:ext uri="{FF2B5EF4-FFF2-40B4-BE49-F238E27FC236}">
-                <a16:creationId xmlns:a16="http://schemas.microsoft.com/office/drawing/2014/main" xmlns="" id="{AC5EC40E-8B26-4DA9-85D9-81057B6D8343}"/>
+                <a16:creationId xmlns:a16="http://schemas.microsoft.com/office/drawing/2014/main" id="{AC5EC40E-8B26-4DA9-85D9-81057B6D8343}"/>
               </a:ext>
             </a:extLst>
           </p:cNvPr>
@@ -6392,7 +6357,7 @@
           <p:cNvPr id="3" name="Footer Placeholder 2">
             <a:extLst>
               <a:ext uri="{FF2B5EF4-FFF2-40B4-BE49-F238E27FC236}">
-                <a16:creationId xmlns:a16="http://schemas.microsoft.com/office/drawing/2014/main" xmlns="" id="{5253F3B5-2880-4720-87F4-F3D9478DD1B4}"/>
+                <a16:creationId xmlns:a16="http://schemas.microsoft.com/office/drawing/2014/main" id="{5253F3B5-2880-4720-87F4-F3D9478DD1B4}"/>
               </a:ext>
             </a:extLst>
           </p:cNvPr>
@@ -6410,7 +6375,7 @@
           <a:p>
             <a:r>
               <a:rPr lang="en-US"/>
-              <a:t>© 2016 Ori Calvo</a:t>
+              <a:t>© 2017 Ori Calvo</a:t>
             </a:r>
             <a:endParaRPr lang="en-US" dirty="0"/>
           </a:p>
@@ -6421,7 +6386,7 @@
           <p:cNvPr id="4" name="Slide Number Placeholder 3">
             <a:extLst>
               <a:ext uri="{FF2B5EF4-FFF2-40B4-BE49-F238E27FC236}">
-                <a16:creationId xmlns:a16="http://schemas.microsoft.com/office/drawing/2014/main" xmlns="" id="{F24810CB-D6B4-4008-B139-06CB69785651}"/>
+                <a16:creationId xmlns:a16="http://schemas.microsoft.com/office/drawing/2014/main" id="{F24810CB-D6B4-4008-B139-06CB69785651}"/>
               </a:ext>
             </a:extLst>
           </p:cNvPr>
@@ -6453,7 +6418,7 @@
           <p:cNvPr id="5" name="Content Placeholder 4">
             <a:extLst>
               <a:ext uri="{FF2B5EF4-FFF2-40B4-BE49-F238E27FC236}">
-                <a16:creationId xmlns:a16="http://schemas.microsoft.com/office/drawing/2014/main" xmlns="" id="{BAEC9C22-09A2-413F-B439-AC7952D2AE41}"/>
+                <a16:creationId xmlns:a16="http://schemas.microsoft.com/office/drawing/2014/main" id="{BAEC9C22-09A2-413F-B439-AC7952D2AE41}"/>
               </a:ext>
             </a:extLst>
           </p:cNvPr>
@@ -6541,10 +6506,9 @@
           <a:lstStyle/>
           <a:p>
             <a:r>
-              <a:rPr lang="en-US" dirty="0" smtClean="0"/>
+              <a:rPr lang="en-US" dirty="0"/>
               <a:t>Authorization Grant Types</a:t>
             </a:r>
-            <a:endParaRPr lang="en-US" dirty="0"/>
           </a:p>
         </p:txBody>
       </p:sp>
@@ -6564,8 +6528,8 @@
           <a:lstStyle/>
           <a:p>
             <a:r>
-              <a:rPr lang="en-US" smtClean="0"/>
-              <a:t>© 2016 Ori Calvo</a:t>
+              <a:rPr lang="en-US"/>
+              <a:t>© 2017 Ori Calvo</a:t>
             </a:r>
             <a:endParaRPr lang="en-US" dirty="0"/>
           </a:p>
@@ -6613,59 +6577,59 @@
           <a:lstStyle/>
           <a:p>
             <a:r>
-              <a:rPr lang="en-US" dirty="0" smtClean="0"/>
+              <a:rPr lang="en-US" dirty="0"/>
               <a:t>OAuth supports different mode of operations</a:t>
             </a:r>
           </a:p>
           <a:p>
             <a:pPr lvl="1"/>
             <a:r>
-              <a:rPr lang="en-US" dirty="0" smtClean="0"/>
+              <a:rPr lang="en-US" dirty="0"/>
               <a:t>Code grant</a:t>
             </a:r>
           </a:p>
           <a:p>
             <a:pPr lvl="1"/>
             <a:r>
-              <a:rPr lang="en-US" dirty="0" smtClean="0"/>
+              <a:rPr lang="en-US" dirty="0"/>
               <a:t>Implicit grant</a:t>
             </a:r>
           </a:p>
           <a:p>
             <a:pPr lvl="1"/>
             <a:r>
-              <a:rPr lang="en-US" dirty="0" smtClean="0"/>
+              <a:rPr lang="en-US" dirty="0"/>
               <a:t>Resource owner credential grant</a:t>
             </a:r>
           </a:p>
           <a:p>
             <a:pPr lvl="1"/>
             <a:r>
-              <a:rPr lang="en-US" dirty="0" smtClean="0"/>
+              <a:rPr lang="en-US" dirty="0"/>
               <a:t>Client credentials grant</a:t>
             </a:r>
           </a:p>
           <a:p>
             <a:r>
-              <a:rPr lang="en-US" dirty="0" smtClean="0"/>
+              <a:rPr lang="en-US" dirty="0"/>
               <a:t>The different MOO are described by the parameter</a:t>
             </a:r>
           </a:p>
           <a:p>
             <a:pPr lvl="1"/>
             <a:r>
-              <a:rPr lang="en-US" dirty="0" err="1" smtClean="0"/>
+              <a:rPr lang="en-US" dirty="0" err="1"/>
               <a:t>response_type</a:t>
             </a:r>
-            <a:endParaRPr lang="en-US" dirty="0" smtClean="0"/>
+            <a:endParaRPr lang="en-US" dirty="0"/>
           </a:p>
           <a:p>
             <a:pPr lvl="1"/>
             <a:r>
-              <a:rPr lang="en-US" dirty="0" err="1" smtClean="0"/>
+              <a:rPr lang="en-US" dirty="0" err="1"/>
               <a:t>grant_type</a:t>
             </a:r>
-            <a:endParaRPr lang="en-US" dirty="0" smtClean="0"/>
+            <a:endParaRPr lang="en-US" dirty="0"/>
           </a:p>
           <a:p>
             <a:endParaRPr lang="en-US" dirty="0"/>
@@ -6718,10 +6682,9 @@
           <a:lstStyle/>
           <a:p>
             <a:r>
-              <a:rPr lang="en-US" dirty="0" smtClean="0"/>
+              <a:rPr lang="en-US" dirty="0"/>
               <a:t>Authorization Code Grant</a:t>
             </a:r>
-            <a:endParaRPr lang="en-US" dirty="0"/>
           </a:p>
         </p:txBody>
       </p:sp>
@@ -6741,8 +6704,8 @@
           <a:lstStyle/>
           <a:p>
             <a:r>
-              <a:rPr lang="en-US" smtClean="0"/>
-              <a:t>© 2016 Ori Calvo</a:t>
+              <a:rPr lang="en-US"/>
+              <a:t>© 2017 Ori Calvo</a:t>
             </a:r>
             <a:endParaRPr lang="en-US" dirty="0"/>
           </a:p>
@@ -6790,37 +6753,37 @@
           <a:lstStyle/>
           <a:p>
             <a:r>
-              <a:rPr lang="en-US" dirty="0" smtClean="0"/>
+              <a:rPr lang="en-US" dirty="0"/>
               <a:t>A web site wants to obtain information from Google about a specific user</a:t>
             </a:r>
           </a:p>
           <a:p>
             <a:r>
-              <a:rPr lang="en-US" dirty="0" smtClean="0"/>
+              <a:rPr lang="en-US" dirty="0"/>
               <a:t>The user is redirected to the authorization server</a:t>
             </a:r>
           </a:p>
           <a:p>
             <a:r>
-              <a:rPr lang="en-US" dirty="0" smtClean="0"/>
+              <a:rPr lang="en-US" dirty="0"/>
               <a:t>The user logins &amp; consents</a:t>
             </a:r>
           </a:p>
           <a:p>
             <a:r>
-              <a:rPr lang="en-US" dirty="0" smtClean="0"/>
+              <a:rPr lang="en-US" dirty="0"/>
               <a:t>Authorization server redirects back to the web site with an authorization code</a:t>
             </a:r>
           </a:p>
           <a:p>
             <a:r>
-              <a:rPr lang="en-US" dirty="0" smtClean="0"/>
+              <a:rPr lang="en-US" dirty="0"/>
               <a:t>The code is exchanged with an access token</a:t>
             </a:r>
           </a:p>
           <a:p>
             <a:r>
-              <a:rPr lang="en-US" dirty="0" smtClean="0"/>
+              <a:rPr lang="en-US" dirty="0"/>
               <a:t>The web site has no access to the resource</a:t>
             </a:r>
           </a:p>

--- a/PPTs/03 OAuth.pptx
+++ b/PPTs/03 OAuth.pptx
@@ -6269,7 +6269,7 @@
           <a:p>
             <a:r>
               <a:rPr lang="en-US" dirty="0"/>
-              <a:t>The authorization server defined the list of available scopes</a:t>
+              <a:t>The authorization server defines a list of available scopes</a:t>
             </a:r>
           </a:p>
           <a:p>
@@ -6287,7 +6287,7 @@
               <a:rPr lang="en-US" dirty="0">
                 <a:sym typeface="Wingdings" panose="05000000000000000000" pitchFamily="2" charset="2"/>
               </a:rPr>
-              <a:t> less chance the resource owner </a:t>
+              <a:t> less chance access is granted</a:t>
             </a:r>
             <a:endParaRPr lang="en-US" dirty="0"/>
           </a:p>
@@ -6784,7 +6784,7 @@
           <a:p>
             <a:r>
               <a:rPr lang="en-US" dirty="0"/>
-              <a:t>The web site has no access to the resource</a:t>
+              <a:t>The web site has now access to the resource</a:t>
             </a:r>
           </a:p>
           <a:p>
